--- a/ppt 16-9/0727.切切呼求.pptx
+++ b/ppt 16-9/0727.切切呼求.pptx
@@ -129,7 +129,7 @@
           <p:cNvPr id="2" name="标题 1">
             <a:extLst>
               <a:ext uri="{FF2B5EF4-FFF2-40B4-BE49-F238E27FC236}">
-                <a16:creationId xmlns:a16="http://schemas.microsoft.com/office/drawing/2014/main" id="{D93BB12B-64AE-B26A-EAB5-93B7524D435D}"/>
+                <a16:creationId xmlns:a16="http://schemas.microsoft.com/office/drawing/2014/main" id="{98FFDB28-1B90-0FE3-661D-9A9DF83979AC}"/>
               </a:ext>
             </a:extLst>
           </p:cNvPr>
@@ -166,7 +166,7 @@
           <p:cNvPr id="3" name="副标题 2">
             <a:extLst>
               <a:ext uri="{FF2B5EF4-FFF2-40B4-BE49-F238E27FC236}">
-                <a16:creationId xmlns:a16="http://schemas.microsoft.com/office/drawing/2014/main" id="{5C474A59-784F-13CB-2CDE-3FE8772C2F57}"/>
+                <a16:creationId xmlns:a16="http://schemas.microsoft.com/office/drawing/2014/main" id="{82EED8D5-F127-CC5F-489F-BEF29D66E9DC}"/>
               </a:ext>
             </a:extLst>
           </p:cNvPr>
@@ -236,7 +236,7 @@
           <p:cNvPr id="4" name="日期占位符 3">
             <a:extLst>
               <a:ext uri="{FF2B5EF4-FFF2-40B4-BE49-F238E27FC236}">
-                <a16:creationId xmlns:a16="http://schemas.microsoft.com/office/drawing/2014/main" id="{6835B2A1-A0F6-6322-D792-14B8C8CB439B}"/>
+                <a16:creationId xmlns:a16="http://schemas.microsoft.com/office/drawing/2014/main" id="{FFAD05DA-464A-DD8F-F410-4D00B993CE56}"/>
               </a:ext>
             </a:extLst>
           </p:cNvPr>
@@ -252,7 +252,7 @@
           <a:bodyPr/>
           <a:lstStyle/>
           <a:p>
-            <a:fld id="{A41B6E04-0007-4419-B20C-49AA841EF1B9}" type="datetimeFigureOut">
+            <a:fld id="{D20B4E7A-45E6-4EA1-8CAF-399DDD2EB0D5}" type="datetimeFigureOut">
               <a:rPr lang="zh-CN" altLang="en-US" smtClean="0"/>
               <a:t>2024/3/10</a:t>
             </a:fld>
@@ -265,7 +265,7 @@
           <p:cNvPr id="5" name="页脚占位符 4">
             <a:extLst>
               <a:ext uri="{FF2B5EF4-FFF2-40B4-BE49-F238E27FC236}">
-                <a16:creationId xmlns:a16="http://schemas.microsoft.com/office/drawing/2014/main" id="{FE0A961C-E169-D120-5EA2-98528B3F8D4F}"/>
+                <a16:creationId xmlns:a16="http://schemas.microsoft.com/office/drawing/2014/main" id="{1BBDEE17-8FE4-BC7D-18EB-E44E7BFD242F}"/>
               </a:ext>
             </a:extLst>
           </p:cNvPr>
@@ -290,7 +290,7 @@
           <p:cNvPr id="6" name="灯片编号占位符 5">
             <a:extLst>
               <a:ext uri="{FF2B5EF4-FFF2-40B4-BE49-F238E27FC236}">
-                <a16:creationId xmlns:a16="http://schemas.microsoft.com/office/drawing/2014/main" id="{DCCB9FB9-4954-31B9-F636-4F44C9BFD44F}"/>
+                <a16:creationId xmlns:a16="http://schemas.microsoft.com/office/drawing/2014/main" id="{3B4949EB-3048-BFB5-2822-25ABBB032AB6}"/>
               </a:ext>
             </a:extLst>
           </p:cNvPr>
@@ -306,7 +306,7 @@
           <a:bodyPr/>
           <a:lstStyle/>
           <a:p>
-            <a:fld id="{F0DF440D-26EF-4F40-9743-90399F47A4B3}" type="slidenum">
+            <a:fld id="{237C77E4-DD13-4703-BBA6-A32105DFFB29}" type="slidenum">
               <a:rPr lang="zh-CN" altLang="en-US" smtClean="0"/>
               <a:t>‹#›</a:t>
             </a:fld>
@@ -317,7 +317,7 @@
     </p:spTree>
     <p:extLst>
       <p:ext uri="{BB962C8B-B14F-4D97-AF65-F5344CB8AC3E}">
-        <p14:creationId xmlns:p14="http://schemas.microsoft.com/office/powerpoint/2010/main" val="4159097891"/>
+        <p14:creationId xmlns:p14="http://schemas.microsoft.com/office/powerpoint/2010/main" val="2505991103"/>
       </p:ext>
     </p:extLst>
   </p:cSld>
@@ -349,7 +349,7 @@
           <p:cNvPr id="2" name="标题 1">
             <a:extLst>
               <a:ext uri="{FF2B5EF4-FFF2-40B4-BE49-F238E27FC236}">
-                <a16:creationId xmlns:a16="http://schemas.microsoft.com/office/drawing/2014/main" id="{B1AB2F40-8AF3-6D59-4BCE-70DDFEC6B894}"/>
+                <a16:creationId xmlns:a16="http://schemas.microsoft.com/office/drawing/2014/main" id="{21C96DE7-9F22-FC6E-B249-D2A274731475}"/>
               </a:ext>
             </a:extLst>
           </p:cNvPr>
@@ -377,7 +377,7 @@
           <p:cNvPr id="3" name="竖排文字占位符 2">
             <a:extLst>
               <a:ext uri="{FF2B5EF4-FFF2-40B4-BE49-F238E27FC236}">
-                <a16:creationId xmlns:a16="http://schemas.microsoft.com/office/drawing/2014/main" id="{059998BD-6A10-33C0-DED5-0829B0936085}"/>
+                <a16:creationId xmlns:a16="http://schemas.microsoft.com/office/drawing/2014/main" id="{3B3BEC55-235E-F580-8396-65CB0EB30709}"/>
               </a:ext>
             </a:extLst>
           </p:cNvPr>
@@ -434,7 +434,7 @@
           <p:cNvPr id="4" name="日期占位符 3">
             <a:extLst>
               <a:ext uri="{FF2B5EF4-FFF2-40B4-BE49-F238E27FC236}">
-                <a16:creationId xmlns:a16="http://schemas.microsoft.com/office/drawing/2014/main" id="{B9E79AA8-0CF9-C1FE-6EBE-98C5667FB7C5}"/>
+                <a16:creationId xmlns:a16="http://schemas.microsoft.com/office/drawing/2014/main" id="{8DFB0E0E-5544-B387-29D6-3DC2A7B5DBE4}"/>
               </a:ext>
             </a:extLst>
           </p:cNvPr>
@@ -450,7 +450,7 @@
           <a:bodyPr/>
           <a:lstStyle/>
           <a:p>
-            <a:fld id="{A41B6E04-0007-4419-B20C-49AA841EF1B9}" type="datetimeFigureOut">
+            <a:fld id="{D20B4E7A-45E6-4EA1-8CAF-399DDD2EB0D5}" type="datetimeFigureOut">
               <a:rPr lang="zh-CN" altLang="en-US" smtClean="0"/>
               <a:t>2024/3/10</a:t>
             </a:fld>
@@ -463,7 +463,7 @@
           <p:cNvPr id="5" name="页脚占位符 4">
             <a:extLst>
               <a:ext uri="{FF2B5EF4-FFF2-40B4-BE49-F238E27FC236}">
-                <a16:creationId xmlns:a16="http://schemas.microsoft.com/office/drawing/2014/main" id="{640E3EF1-4AF2-F556-F375-A4B89038C415}"/>
+                <a16:creationId xmlns:a16="http://schemas.microsoft.com/office/drawing/2014/main" id="{87FCB850-0850-B5FC-404E-23F87F8AA82D}"/>
               </a:ext>
             </a:extLst>
           </p:cNvPr>
@@ -488,7 +488,7 @@
           <p:cNvPr id="6" name="灯片编号占位符 5">
             <a:extLst>
               <a:ext uri="{FF2B5EF4-FFF2-40B4-BE49-F238E27FC236}">
-                <a16:creationId xmlns:a16="http://schemas.microsoft.com/office/drawing/2014/main" id="{501C234D-CCD2-02F4-C7DA-C944A508341D}"/>
+                <a16:creationId xmlns:a16="http://schemas.microsoft.com/office/drawing/2014/main" id="{40855A45-BAF0-7209-93E1-E930CB3F4A0B}"/>
               </a:ext>
             </a:extLst>
           </p:cNvPr>
@@ -504,7 +504,7 @@
           <a:bodyPr/>
           <a:lstStyle/>
           <a:p>
-            <a:fld id="{F0DF440D-26EF-4F40-9743-90399F47A4B3}" type="slidenum">
+            <a:fld id="{237C77E4-DD13-4703-BBA6-A32105DFFB29}" type="slidenum">
               <a:rPr lang="zh-CN" altLang="en-US" smtClean="0"/>
               <a:t>‹#›</a:t>
             </a:fld>
@@ -515,7 +515,7 @@
     </p:spTree>
     <p:extLst>
       <p:ext uri="{BB962C8B-B14F-4D97-AF65-F5344CB8AC3E}">
-        <p14:creationId xmlns:p14="http://schemas.microsoft.com/office/powerpoint/2010/main" val="1840975506"/>
+        <p14:creationId xmlns:p14="http://schemas.microsoft.com/office/powerpoint/2010/main" val="36038120"/>
       </p:ext>
     </p:extLst>
   </p:cSld>
@@ -547,7 +547,7 @@
           <p:cNvPr id="2" name="竖排标题 1">
             <a:extLst>
               <a:ext uri="{FF2B5EF4-FFF2-40B4-BE49-F238E27FC236}">
-                <a16:creationId xmlns:a16="http://schemas.microsoft.com/office/drawing/2014/main" id="{B18C7014-42AF-A35A-F298-B15B4529ACA4}"/>
+                <a16:creationId xmlns:a16="http://schemas.microsoft.com/office/drawing/2014/main" id="{D5A1AA42-CBE0-02EB-AE7C-0787A4145E2D}"/>
               </a:ext>
             </a:extLst>
           </p:cNvPr>
@@ -580,7 +580,7 @@
           <p:cNvPr id="3" name="竖排文字占位符 2">
             <a:extLst>
               <a:ext uri="{FF2B5EF4-FFF2-40B4-BE49-F238E27FC236}">
-                <a16:creationId xmlns:a16="http://schemas.microsoft.com/office/drawing/2014/main" id="{AB3625A3-18F3-C5CB-CAB6-8D262AE4BBB1}"/>
+                <a16:creationId xmlns:a16="http://schemas.microsoft.com/office/drawing/2014/main" id="{33BD0258-9571-5652-7EF3-63CB06DDF5DA}"/>
               </a:ext>
             </a:extLst>
           </p:cNvPr>
@@ -642,7 +642,7 @@
           <p:cNvPr id="4" name="日期占位符 3">
             <a:extLst>
               <a:ext uri="{FF2B5EF4-FFF2-40B4-BE49-F238E27FC236}">
-                <a16:creationId xmlns:a16="http://schemas.microsoft.com/office/drawing/2014/main" id="{A86AC7AD-A60F-6B5B-F43A-74BC8F0DF326}"/>
+                <a16:creationId xmlns:a16="http://schemas.microsoft.com/office/drawing/2014/main" id="{D5D52A20-098C-EA68-94B7-369426FEDAAC}"/>
               </a:ext>
             </a:extLst>
           </p:cNvPr>
@@ -658,7 +658,7 @@
           <a:bodyPr/>
           <a:lstStyle/>
           <a:p>
-            <a:fld id="{A41B6E04-0007-4419-B20C-49AA841EF1B9}" type="datetimeFigureOut">
+            <a:fld id="{D20B4E7A-45E6-4EA1-8CAF-399DDD2EB0D5}" type="datetimeFigureOut">
               <a:rPr lang="zh-CN" altLang="en-US" smtClean="0"/>
               <a:t>2024/3/10</a:t>
             </a:fld>
@@ -671,7 +671,7 @@
           <p:cNvPr id="5" name="页脚占位符 4">
             <a:extLst>
               <a:ext uri="{FF2B5EF4-FFF2-40B4-BE49-F238E27FC236}">
-                <a16:creationId xmlns:a16="http://schemas.microsoft.com/office/drawing/2014/main" id="{A9687CB2-CC05-A2E2-C10C-697E3ADBE1D1}"/>
+                <a16:creationId xmlns:a16="http://schemas.microsoft.com/office/drawing/2014/main" id="{839CA802-1995-DA35-F67F-37EFEE25A582}"/>
               </a:ext>
             </a:extLst>
           </p:cNvPr>
@@ -696,7 +696,7 @@
           <p:cNvPr id="6" name="灯片编号占位符 5">
             <a:extLst>
               <a:ext uri="{FF2B5EF4-FFF2-40B4-BE49-F238E27FC236}">
-                <a16:creationId xmlns:a16="http://schemas.microsoft.com/office/drawing/2014/main" id="{269BBE92-5DC2-C4F7-A771-8925496619D5}"/>
+                <a16:creationId xmlns:a16="http://schemas.microsoft.com/office/drawing/2014/main" id="{6F5FB590-7C71-0CE8-7445-E88DEE8408B8}"/>
               </a:ext>
             </a:extLst>
           </p:cNvPr>
@@ -712,7 +712,7 @@
           <a:bodyPr/>
           <a:lstStyle/>
           <a:p>
-            <a:fld id="{F0DF440D-26EF-4F40-9743-90399F47A4B3}" type="slidenum">
+            <a:fld id="{237C77E4-DD13-4703-BBA6-A32105DFFB29}" type="slidenum">
               <a:rPr lang="zh-CN" altLang="en-US" smtClean="0"/>
               <a:t>‹#›</a:t>
             </a:fld>
@@ -723,7 +723,7 @@
     </p:spTree>
     <p:extLst>
       <p:ext uri="{BB962C8B-B14F-4D97-AF65-F5344CB8AC3E}">
-        <p14:creationId xmlns:p14="http://schemas.microsoft.com/office/powerpoint/2010/main" val="3033988112"/>
+        <p14:creationId xmlns:p14="http://schemas.microsoft.com/office/powerpoint/2010/main" val="2386807325"/>
       </p:ext>
     </p:extLst>
   </p:cSld>
@@ -755,7 +755,7 @@
           <p:cNvPr id="2" name="标题 1">
             <a:extLst>
               <a:ext uri="{FF2B5EF4-FFF2-40B4-BE49-F238E27FC236}">
-                <a16:creationId xmlns:a16="http://schemas.microsoft.com/office/drawing/2014/main" id="{177C067F-CA17-5220-DC6B-8FED9296BDE8}"/>
+                <a16:creationId xmlns:a16="http://schemas.microsoft.com/office/drawing/2014/main" id="{113E28F0-08B7-4B6A-69CA-93914D8FE107}"/>
               </a:ext>
             </a:extLst>
           </p:cNvPr>
@@ -783,7 +783,7 @@
           <p:cNvPr id="3" name="内容占位符 2">
             <a:extLst>
               <a:ext uri="{FF2B5EF4-FFF2-40B4-BE49-F238E27FC236}">
-                <a16:creationId xmlns:a16="http://schemas.microsoft.com/office/drawing/2014/main" id="{83809AEA-9E0C-953E-8DFC-4ECEA74A7CFD}"/>
+                <a16:creationId xmlns:a16="http://schemas.microsoft.com/office/drawing/2014/main" id="{840F5CBA-FA27-61E7-C430-B07F9FB6AF88}"/>
               </a:ext>
             </a:extLst>
           </p:cNvPr>
@@ -840,7 +840,7 @@
           <p:cNvPr id="4" name="日期占位符 3">
             <a:extLst>
               <a:ext uri="{FF2B5EF4-FFF2-40B4-BE49-F238E27FC236}">
-                <a16:creationId xmlns:a16="http://schemas.microsoft.com/office/drawing/2014/main" id="{787B3BC6-650C-9339-1132-2A1D2F82A2AA}"/>
+                <a16:creationId xmlns:a16="http://schemas.microsoft.com/office/drawing/2014/main" id="{07941B68-3F20-D5D0-6C7D-F7BD10217670}"/>
               </a:ext>
             </a:extLst>
           </p:cNvPr>
@@ -856,7 +856,7 @@
           <a:bodyPr/>
           <a:lstStyle/>
           <a:p>
-            <a:fld id="{A41B6E04-0007-4419-B20C-49AA841EF1B9}" type="datetimeFigureOut">
+            <a:fld id="{D20B4E7A-45E6-4EA1-8CAF-399DDD2EB0D5}" type="datetimeFigureOut">
               <a:rPr lang="zh-CN" altLang="en-US" smtClean="0"/>
               <a:t>2024/3/10</a:t>
             </a:fld>
@@ -869,7 +869,7 @@
           <p:cNvPr id="5" name="页脚占位符 4">
             <a:extLst>
               <a:ext uri="{FF2B5EF4-FFF2-40B4-BE49-F238E27FC236}">
-                <a16:creationId xmlns:a16="http://schemas.microsoft.com/office/drawing/2014/main" id="{F603568D-4372-A2E8-BD4B-061C3215D6E7}"/>
+                <a16:creationId xmlns:a16="http://schemas.microsoft.com/office/drawing/2014/main" id="{1153E3D4-D212-3BF9-AA2C-5FA1B9F313B5}"/>
               </a:ext>
             </a:extLst>
           </p:cNvPr>
@@ -894,7 +894,7 @@
           <p:cNvPr id="6" name="灯片编号占位符 5">
             <a:extLst>
               <a:ext uri="{FF2B5EF4-FFF2-40B4-BE49-F238E27FC236}">
-                <a16:creationId xmlns:a16="http://schemas.microsoft.com/office/drawing/2014/main" id="{95235822-42B7-5BB6-DCE1-8DD27B60083D}"/>
+                <a16:creationId xmlns:a16="http://schemas.microsoft.com/office/drawing/2014/main" id="{1529D3A8-4AE8-B7E8-298C-80F9E604ECAD}"/>
               </a:ext>
             </a:extLst>
           </p:cNvPr>
@@ -910,7 +910,7 @@
           <a:bodyPr/>
           <a:lstStyle/>
           <a:p>
-            <a:fld id="{F0DF440D-26EF-4F40-9743-90399F47A4B3}" type="slidenum">
+            <a:fld id="{237C77E4-DD13-4703-BBA6-A32105DFFB29}" type="slidenum">
               <a:rPr lang="zh-CN" altLang="en-US" smtClean="0"/>
               <a:t>‹#›</a:t>
             </a:fld>
@@ -921,7 +921,7 @@
     </p:spTree>
     <p:extLst>
       <p:ext uri="{BB962C8B-B14F-4D97-AF65-F5344CB8AC3E}">
-        <p14:creationId xmlns:p14="http://schemas.microsoft.com/office/powerpoint/2010/main" val="867512844"/>
+        <p14:creationId xmlns:p14="http://schemas.microsoft.com/office/powerpoint/2010/main" val="55668799"/>
       </p:ext>
     </p:extLst>
   </p:cSld>
@@ -953,7 +953,7 @@
           <p:cNvPr id="2" name="标题 1">
             <a:extLst>
               <a:ext uri="{FF2B5EF4-FFF2-40B4-BE49-F238E27FC236}">
-                <a16:creationId xmlns:a16="http://schemas.microsoft.com/office/drawing/2014/main" id="{B50978B3-189F-EB46-6FEA-7C4C19939AD2}"/>
+                <a16:creationId xmlns:a16="http://schemas.microsoft.com/office/drawing/2014/main" id="{30201696-96C5-08AB-4606-313CE821CCBA}"/>
               </a:ext>
             </a:extLst>
           </p:cNvPr>
@@ -990,7 +990,7 @@
           <p:cNvPr id="3" name="文本占位符 2">
             <a:extLst>
               <a:ext uri="{FF2B5EF4-FFF2-40B4-BE49-F238E27FC236}">
-                <a16:creationId xmlns:a16="http://schemas.microsoft.com/office/drawing/2014/main" id="{DA998080-DB4C-F3B8-4139-AD6DA56BAFA1}"/>
+                <a16:creationId xmlns:a16="http://schemas.microsoft.com/office/drawing/2014/main" id="{0B73004F-E56B-7764-5F12-B01E597E5497}"/>
               </a:ext>
             </a:extLst>
           </p:cNvPr>
@@ -1115,7 +1115,7 @@
           <p:cNvPr id="4" name="日期占位符 3">
             <a:extLst>
               <a:ext uri="{FF2B5EF4-FFF2-40B4-BE49-F238E27FC236}">
-                <a16:creationId xmlns:a16="http://schemas.microsoft.com/office/drawing/2014/main" id="{85E0B486-CF81-1B45-47EC-ACF076398C57}"/>
+                <a16:creationId xmlns:a16="http://schemas.microsoft.com/office/drawing/2014/main" id="{1676B2E5-6F57-E1B6-12AC-9FD71D5E22AD}"/>
               </a:ext>
             </a:extLst>
           </p:cNvPr>
@@ -1131,7 +1131,7 @@
           <a:bodyPr/>
           <a:lstStyle/>
           <a:p>
-            <a:fld id="{A41B6E04-0007-4419-B20C-49AA841EF1B9}" type="datetimeFigureOut">
+            <a:fld id="{D20B4E7A-45E6-4EA1-8CAF-399DDD2EB0D5}" type="datetimeFigureOut">
               <a:rPr lang="zh-CN" altLang="en-US" smtClean="0"/>
               <a:t>2024/3/10</a:t>
             </a:fld>
@@ -1144,7 +1144,7 @@
           <p:cNvPr id="5" name="页脚占位符 4">
             <a:extLst>
               <a:ext uri="{FF2B5EF4-FFF2-40B4-BE49-F238E27FC236}">
-                <a16:creationId xmlns:a16="http://schemas.microsoft.com/office/drawing/2014/main" id="{4FC8B1B0-171C-B7D2-A057-2B49A85A3818}"/>
+                <a16:creationId xmlns:a16="http://schemas.microsoft.com/office/drawing/2014/main" id="{8F187C55-5CCA-09F9-3A40-B493CC2865A2}"/>
               </a:ext>
             </a:extLst>
           </p:cNvPr>
@@ -1169,7 +1169,7 @@
           <p:cNvPr id="6" name="灯片编号占位符 5">
             <a:extLst>
               <a:ext uri="{FF2B5EF4-FFF2-40B4-BE49-F238E27FC236}">
-                <a16:creationId xmlns:a16="http://schemas.microsoft.com/office/drawing/2014/main" id="{38DCCD5B-7D7F-5B39-4B79-CC7DB8F1D449}"/>
+                <a16:creationId xmlns:a16="http://schemas.microsoft.com/office/drawing/2014/main" id="{1710A155-DA58-BC8A-2718-B6AD44FA5953}"/>
               </a:ext>
             </a:extLst>
           </p:cNvPr>
@@ -1185,7 +1185,7 @@
           <a:bodyPr/>
           <a:lstStyle/>
           <a:p>
-            <a:fld id="{F0DF440D-26EF-4F40-9743-90399F47A4B3}" type="slidenum">
+            <a:fld id="{237C77E4-DD13-4703-BBA6-A32105DFFB29}" type="slidenum">
               <a:rPr lang="zh-CN" altLang="en-US" smtClean="0"/>
               <a:t>‹#›</a:t>
             </a:fld>
@@ -1196,7 +1196,7 @@
     </p:spTree>
     <p:extLst>
       <p:ext uri="{BB962C8B-B14F-4D97-AF65-F5344CB8AC3E}">
-        <p14:creationId xmlns:p14="http://schemas.microsoft.com/office/powerpoint/2010/main" val="3905697190"/>
+        <p14:creationId xmlns:p14="http://schemas.microsoft.com/office/powerpoint/2010/main" val="95209048"/>
       </p:ext>
     </p:extLst>
   </p:cSld>
@@ -1228,7 +1228,7 @@
           <p:cNvPr id="2" name="标题 1">
             <a:extLst>
               <a:ext uri="{FF2B5EF4-FFF2-40B4-BE49-F238E27FC236}">
-                <a16:creationId xmlns:a16="http://schemas.microsoft.com/office/drawing/2014/main" id="{7C11166E-2581-2793-B173-6872B17177FD}"/>
+                <a16:creationId xmlns:a16="http://schemas.microsoft.com/office/drawing/2014/main" id="{6410A219-8045-36EB-808B-92E196159684}"/>
               </a:ext>
             </a:extLst>
           </p:cNvPr>
@@ -1256,7 +1256,7 @@
           <p:cNvPr id="3" name="内容占位符 2">
             <a:extLst>
               <a:ext uri="{FF2B5EF4-FFF2-40B4-BE49-F238E27FC236}">
-                <a16:creationId xmlns:a16="http://schemas.microsoft.com/office/drawing/2014/main" id="{9DFD59C1-4634-35B9-B2DC-1D6E0511F272}"/>
+                <a16:creationId xmlns:a16="http://schemas.microsoft.com/office/drawing/2014/main" id="{452AD7AF-6A67-C7AA-E213-45B9E3F16537}"/>
               </a:ext>
             </a:extLst>
           </p:cNvPr>
@@ -1318,7 +1318,7 @@
           <p:cNvPr id="4" name="内容占位符 3">
             <a:extLst>
               <a:ext uri="{FF2B5EF4-FFF2-40B4-BE49-F238E27FC236}">
-                <a16:creationId xmlns:a16="http://schemas.microsoft.com/office/drawing/2014/main" id="{096859BD-13B6-6AB9-CD17-367F04C3DB5E}"/>
+                <a16:creationId xmlns:a16="http://schemas.microsoft.com/office/drawing/2014/main" id="{D91C366B-EC1B-8E3C-25E4-8C4C761802F8}"/>
               </a:ext>
             </a:extLst>
           </p:cNvPr>
@@ -1380,7 +1380,7 @@
           <p:cNvPr id="5" name="日期占位符 4">
             <a:extLst>
               <a:ext uri="{FF2B5EF4-FFF2-40B4-BE49-F238E27FC236}">
-                <a16:creationId xmlns:a16="http://schemas.microsoft.com/office/drawing/2014/main" id="{E6E59459-1750-A796-0D51-2D66947EBA0B}"/>
+                <a16:creationId xmlns:a16="http://schemas.microsoft.com/office/drawing/2014/main" id="{9A6ACCC5-D6DC-0583-A74F-EDA321B9C6A9}"/>
               </a:ext>
             </a:extLst>
           </p:cNvPr>
@@ -1396,7 +1396,7 @@
           <a:bodyPr/>
           <a:lstStyle/>
           <a:p>
-            <a:fld id="{A41B6E04-0007-4419-B20C-49AA841EF1B9}" type="datetimeFigureOut">
+            <a:fld id="{D20B4E7A-45E6-4EA1-8CAF-399DDD2EB0D5}" type="datetimeFigureOut">
               <a:rPr lang="zh-CN" altLang="en-US" smtClean="0"/>
               <a:t>2024/3/10</a:t>
             </a:fld>
@@ -1409,7 +1409,7 @@
           <p:cNvPr id="6" name="页脚占位符 5">
             <a:extLst>
               <a:ext uri="{FF2B5EF4-FFF2-40B4-BE49-F238E27FC236}">
-                <a16:creationId xmlns:a16="http://schemas.microsoft.com/office/drawing/2014/main" id="{B62FE562-9074-72F2-63A6-A141BEAD8AEE}"/>
+                <a16:creationId xmlns:a16="http://schemas.microsoft.com/office/drawing/2014/main" id="{37732D3F-513A-22EB-E8D7-EEF077F54F6F}"/>
               </a:ext>
             </a:extLst>
           </p:cNvPr>
@@ -1434,7 +1434,7 @@
           <p:cNvPr id="7" name="灯片编号占位符 6">
             <a:extLst>
               <a:ext uri="{FF2B5EF4-FFF2-40B4-BE49-F238E27FC236}">
-                <a16:creationId xmlns:a16="http://schemas.microsoft.com/office/drawing/2014/main" id="{1E1A39B9-3150-A6F3-0889-F9BFF3A5BAA6}"/>
+                <a16:creationId xmlns:a16="http://schemas.microsoft.com/office/drawing/2014/main" id="{F8586888-75A4-3997-2528-6EC0B026D173}"/>
               </a:ext>
             </a:extLst>
           </p:cNvPr>
@@ -1450,7 +1450,7 @@
           <a:bodyPr/>
           <a:lstStyle/>
           <a:p>
-            <a:fld id="{F0DF440D-26EF-4F40-9743-90399F47A4B3}" type="slidenum">
+            <a:fld id="{237C77E4-DD13-4703-BBA6-A32105DFFB29}" type="slidenum">
               <a:rPr lang="zh-CN" altLang="en-US" smtClean="0"/>
               <a:t>‹#›</a:t>
             </a:fld>
@@ -1461,7 +1461,7 @@
     </p:spTree>
     <p:extLst>
       <p:ext uri="{BB962C8B-B14F-4D97-AF65-F5344CB8AC3E}">
-        <p14:creationId xmlns:p14="http://schemas.microsoft.com/office/powerpoint/2010/main" val="3345413825"/>
+        <p14:creationId xmlns:p14="http://schemas.microsoft.com/office/powerpoint/2010/main" val="3853872227"/>
       </p:ext>
     </p:extLst>
   </p:cSld>
@@ -1493,7 +1493,7 @@
           <p:cNvPr id="2" name="标题 1">
             <a:extLst>
               <a:ext uri="{FF2B5EF4-FFF2-40B4-BE49-F238E27FC236}">
-                <a16:creationId xmlns:a16="http://schemas.microsoft.com/office/drawing/2014/main" id="{B818835F-0E5B-66F8-1A65-5E6A7D9C6BAE}"/>
+                <a16:creationId xmlns:a16="http://schemas.microsoft.com/office/drawing/2014/main" id="{19D9CC9A-F310-E8BB-F41E-7CA609E77BCF}"/>
               </a:ext>
             </a:extLst>
           </p:cNvPr>
@@ -1526,7 +1526,7 @@
           <p:cNvPr id="3" name="文本占位符 2">
             <a:extLst>
               <a:ext uri="{FF2B5EF4-FFF2-40B4-BE49-F238E27FC236}">
-                <a16:creationId xmlns:a16="http://schemas.microsoft.com/office/drawing/2014/main" id="{476F9E66-D308-F4D5-0F78-8E6AE9B3E1A4}"/>
+                <a16:creationId xmlns:a16="http://schemas.microsoft.com/office/drawing/2014/main" id="{EBF42DDC-1245-69E8-66BC-13381944184C}"/>
               </a:ext>
             </a:extLst>
           </p:cNvPr>
@@ -1597,7 +1597,7 @@
           <p:cNvPr id="4" name="内容占位符 3">
             <a:extLst>
               <a:ext uri="{FF2B5EF4-FFF2-40B4-BE49-F238E27FC236}">
-                <a16:creationId xmlns:a16="http://schemas.microsoft.com/office/drawing/2014/main" id="{4532B901-46EA-7021-7E29-C4306B1F1897}"/>
+                <a16:creationId xmlns:a16="http://schemas.microsoft.com/office/drawing/2014/main" id="{C8B22D34-FD85-E0B7-0D5E-1842602253B2}"/>
               </a:ext>
             </a:extLst>
           </p:cNvPr>
@@ -1659,7 +1659,7 @@
           <p:cNvPr id="5" name="文本占位符 4">
             <a:extLst>
               <a:ext uri="{FF2B5EF4-FFF2-40B4-BE49-F238E27FC236}">
-                <a16:creationId xmlns:a16="http://schemas.microsoft.com/office/drawing/2014/main" id="{4852E8AA-C8C6-3154-0AFA-6C2A792E9DBC}"/>
+                <a16:creationId xmlns:a16="http://schemas.microsoft.com/office/drawing/2014/main" id="{390A498F-969D-B719-0DF8-8C0530DBDC82}"/>
               </a:ext>
             </a:extLst>
           </p:cNvPr>
@@ -1730,7 +1730,7 @@
           <p:cNvPr id="6" name="内容占位符 5">
             <a:extLst>
               <a:ext uri="{FF2B5EF4-FFF2-40B4-BE49-F238E27FC236}">
-                <a16:creationId xmlns:a16="http://schemas.microsoft.com/office/drawing/2014/main" id="{A75A0FB6-A812-38B1-9700-FDF0A6DF7454}"/>
+                <a16:creationId xmlns:a16="http://schemas.microsoft.com/office/drawing/2014/main" id="{429DFDF4-A0C7-1435-B5F8-D87E95F0DBA5}"/>
               </a:ext>
             </a:extLst>
           </p:cNvPr>
@@ -1792,7 +1792,7 @@
           <p:cNvPr id="7" name="日期占位符 6">
             <a:extLst>
               <a:ext uri="{FF2B5EF4-FFF2-40B4-BE49-F238E27FC236}">
-                <a16:creationId xmlns:a16="http://schemas.microsoft.com/office/drawing/2014/main" id="{4F940D68-45D7-3696-1C2F-9E7C575D24AB}"/>
+                <a16:creationId xmlns:a16="http://schemas.microsoft.com/office/drawing/2014/main" id="{A1849799-965C-8334-148C-618C11A3715E}"/>
               </a:ext>
             </a:extLst>
           </p:cNvPr>
@@ -1808,7 +1808,7 @@
           <a:bodyPr/>
           <a:lstStyle/>
           <a:p>
-            <a:fld id="{A41B6E04-0007-4419-B20C-49AA841EF1B9}" type="datetimeFigureOut">
+            <a:fld id="{D20B4E7A-45E6-4EA1-8CAF-399DDD2EB0D5}" type="datetimeFigureOut">
               <a:rPr lang="zh-CN" altLang="en-US" smtClean="0"/>
               <a:t>2024/3/10</a:t>
             </a:fld>
@@ -1821,7 +1821,7 @@
           <p:cNvPr id="8" name="页脚占位符 7">
             <a:extLst>
               <a:ext uri="{FF2B5EF4-FFF2-40B4-BE49-F238E27FC236}">
-                <a16:creationId xmlns:a16="http://schemas.microsoft.com/office/drawing/2014/main" id="{0ED1C830-DF87-82EC-F572-B43EE4668048}"/>
+                <a16:creationId xmlns:a16="http://schemas.microsoft.com/office/drawing/2014/main" id="{E0CAB868-2F5A-BC2E-8DA6-0364D6EF790C}"/>
               </a:ext>
             </a:extLst>
           </p:cNvPr>
@@ -1846,7 +1846,7 @@
           <p:cNvPr id="9" name="灯片编号占位符 8">
             <a:extLst>
               <a:ext uri="{FF2B5EF4-FFF2-40B4-BE49-F238E27FC236}">
-                <a16:creationId xmlns:a16="http://schemas.microsoft.com/office/drawing/2014/main" id="{875509F6-997A-9144-E6DC-8AC29AAED9A0}"/>
+                <a16:creationId xmlns:a16="http://schemas.microsoft.com/office/drawing/2014/main" id="{A56D4AA1-1EFB-0896-1EF7-E25717C277CF}"/>
               </a:ext>
             </a:extLst>
           </p:cNvPr>
@@ -1862,7 +1862,7 @@
           <a:bodyPr/>
           <a:lstStyle/>
           <a:p>
-            <a:fld id="{F0DF440D-26EF-4F40-9743-90399F47A4B3}" type="slidenum">
+            <a:fld id="{237C77E4-DD13-4703-BBA6-A32105DFFB29}" type="slidenum">
               <a:rPr lang="zh-CN" altLang="en-US" smtClean="0"/>
               <a:t>‹#›</a:t>
             </a:fld>
@@ -1873,7 +1873,7 @@
     </p:spTree>
     <p:extLst>
       <p:ext uri="{BB962C8B-B14F-4D97-AF65-F5344CB8AC3E}">
-        <p14:creationId xmlns:p14="http://schemas.microsoft.com/office/powerpoint/2010/main" val="2081264711"/>
+        <p14:creationId xmlns:p14="http://schemas.microsoft.com/office/powerpoint/2010/main" val="866986878"/>
       </p:ext>
     </p:extLst>
   </p:cSld>
@@ -1905,7 +1905,7 @@
           <p:cNvPr id="2" name="标题 1">
             <a:extLst>
               <a:ext uri="{FF2B5EF4-FFF2-40B4-BE49-F238E27FC236}">
-                <a16:creationId xmlns:a16="http://schemas.microsoft.com/office/drawing/2014/main" id="{A160A54D-32AC-9B33-F642-EC2B28FE94B2}"/>
+                <a16:creationId xmlns:a16="http://schemas.microsoft.com/office/drawing/2014/main" id="{A9808200-5490-DBF9-C064-FC3B49235BDE}"/>
               </a:ext>
             </a:extLst>
           </p:cNvPr>
@@ -1933,7 +1933,7 @@
           <p:cNvPr id="3" name="日期占位符 2">
             <a:extLst>
               <a:ext uri="{FF2B5EF4-FFF2-40B4-BE49-F238E27FC236}">
-                <a16:creationId xmlns:a16="http://schemas.microsoft.com/office/drawing/2014/main" id="{6756693E-99AF-557A-4546-79C9E6ACB29A}"/>
+                <a16:creationId xmlns:a16="http://schemas.microsoft.com/office/drawing/2014/main" id="{2FE52DA6-76DA-1EE8-938F-AD7FCBCB5C53}"/>
               </a:ext>
             </a:extLst>
           </p:cNvPr>
@@ -1949,7 +1949,7 @@
           <a:bodyPr/>
           <a:lstStyle/>
           <a:p>
-            <a:fld id="{A41B6E04-0007-4419-B20C-49AA841EF1B9}" type="datetimeFigureOut">
+            <a:fld id="{D20B4E7A-45E6-4EA1-8CAF-399DDD2EB0D5}" type="datetimeFigureOut">
               <a:rPr lang="zh-CN" altLang="en-US" smtClean="0"/>
               <a:t>2024/3/10</a:t>
             </a:fld>
@@ -1962,7 +1962,7 @@
           <p:cNvPr id="4" name="页脚占位符 3">
             <a:extLst>
               <a:ext uri="{FF2B5EF4-FFF2-40B4-BE49-F238E27FC236}">
-                <a16:creationId xmlns:a16="http://schemas.microsoft.com/office/drawing/2014/main" id="{A0BF6EA6-9960-9A7E-A3CA-4F4B1CFA828A}"/>
+                <a16:creationId xmlns:a16="http://schemas.microsoft.com/office/drawing/2014/main" id="{B6A7FD7D-EC8A-CFB7-E964-C60F842D4752}"/>
               </a:ext>
             </a:extLst>
           </p:cNvPr>
@@ -1987,7 +1987,7 @@
           <p:cNvPr id="5" name="灯片编号占位符 4">
             <a:extLst>
               <a:ext uri="{FF2B5EF4-FFF2-40B4-BE49-F238E27FC236}">
-                <a16:creationId xmlns:a16="http://schemas.microsoft.com/office/drawing/2014/main" id="{B595943B-F1E2-B375-D379-6C92476B2DC5}"/>
+                <a16:creationId xmlns:a16="http://schemas.microsoft.com/office/drawing/2014/main" id="{337C1D52-13A9-AE6E-6BF7-9B710AB64D90}"/>
               </a:ext>
             </a:extLst>
           </p:cNvPr>
@@ -2003,7 +2003,7 @@
           <a:bodyPr/>
           <a:lstStyle/>
           <a:p>
-            <a:fld id="{F0DF440D-26EF-4F40-9743-90399F47A4B3}" type="slidenum">
+            <a:fld id="{237C77E4-DD13-4703-BBA6-A32105DFFB29}" type="slidenum">
               <a:rPr lang="zh-CN" altLang="en-US" smtClean="0"/>
               <a:t>‹#›</a:t>
             </a:fld>
@@ -2014,7 +2014,7 @@
     </p:spTree>
     <p:extLst>
       <p:ext uri="{BB962C8B-B14F-4D97-AF65-F5344CB8AC3E}">
-        <p14:creationId xmlns:p14="http://schemas.microsoft.com/office/powerpoint/2010/main" val="2054386327"/>
+        <p14:creationId xmlns:p14="http://schemas.microsoft.com/office/powerpoint/2010/main" val="1078190692"/>
       </p:ext>
     </p:extLst>
   </p:cSld>
@@ -2046,7 +2046,7 @@
           <p:cNvPr id="2" name="日期占位符 1">
             <a:extLst>
               <a:ext uri="{FF2B5EF4-FFF2-40B4-BE49-F238E27FC236}">
-                <a16:creationId xmlns:a16="http://schemas.microsoft.com/office/drawing/2014/main" id="{9099E534-321D-47C8-0E6C-8E19AE0283B8}"/>
+                <a16:creationId xmlns:a16="http://schemas.microsoft.com/office/drawing/2014/main" id="{7EB56921-00C4-84E8-3194-9E8EEEEE88A3}"/>
               </a:ext>
             </a:extLst>
           </p:cNvPr>
@@ -2062,7 +2062,7 @@
           <a:bodyPr/>
           <a:lstStyle/>
           <a:p>
-            <a:fld id="{A41B6E04-0007-4419-B20C-49AA841EF1B9}" type="datetimeFigureOut">
+            <a:fld id="{D20B4E7A-45E6-4EA1-8CAF-399DDD2EB0D5}" type="datetimeFigureOut">
               <a:rPr lang="zh-CN" altLang="en-US" smtClean="0"/>
               <a:t>2024/3/10</a:t>
             </a:fld>
@@ -2075,7 +2075,7 @@
           <p:cNvPr id="3" name="页脚占位符 2">
             <a:extLst>
               <a:ext uri="{FF2B5EF4-FFF2-40B4-BE49-F238E27FC236}">
-                <a16:creationId xmlns:a16="http://schemas.microsoft.com/office/drawing/2014/main" id="{D6152A82-C473-198B-018C-7E20A663F8D7}"/>
+                <a16:creationId xmlns:a16="http://schemas.microsoft.com/office/drawing/2014/main" id="{7023AB6E-A759-C61F-A1C8-2AEEE1939259}"/>
               </a:ext>
             </a:extLst>
           </p:cNvPr>
@@ -2100,7 +2100,7 @@
           <p:cNvPr id="4" name="灯片编号占位符 3">
             <a:extLst>
               <a:ext uri="{FF2B5EF4-FFF2-40B4-BE49-F238E27FC236}">
-                <a16:creationId xmlns:a16="http://schemas.microsoft.com/office/drawing/2014/main" id="{874A68BF-4ADE-C5A6-85EE-B81C83DA8DED}"/>
+                <a16:creationId xmlns:a16="http://schemas.microsoft.com/office/drawing/2014/main" id="{7C49CE9D-FF21-861B-A2FB-CCE19BA678B3}"/>
               </a:ext>
             </a:extLst>
           </p:cNvPr>
@@ -2116,7 +2116,7 @@
           <a:bodyPr/>
           <a:lstStyle/>
           <a:p>
-            <a:fld id="{F0DF440D-26EF-4F40-9743-90399F47A4B3}" type="slidenum">
+            <a:fld id="{237C77E4-DD13-4703-BBA6-A32105DFFB29}" type="slidenum">
               <a:rPr lang="zh-CN" altLang="en-US" smtClean="0"/>
               <a:t>‹#›</a:t>
             </a:fld>
@@ -2127,7 +2127,7 @@
     </p:spTree>
     <p:extLst>
       <p:ext uri="{BB962C8B-B14F-4D97-AF65-F5344CB8AC3E}">
-        <p14:creationId xmlns:p14="http://schemas.microsoft.com/office/powerpoint/2010/main" val="990733109"/>
+        <p14:creationId xmlns:p14="http://schemas.microsoft.com/office/powerpoint/2010/main" val="3809693700"/>
       </p:ext>
     </p:extLst>
   </p:cSld>
@@ -2159,7 +2159,7 @@
           <p:cNvPr id="2" name="标题 1">
             <a:extLst>
               <a:ext uri="{FF2B5EF4-FFF2-40B4-BE49-F238E27FC236}">
-                <a16:creationId xmlns:a16="http://schemas.microsoft.com/office/drawing/2014/main" id="{06C3397B-A720-D5B2-4B89-0E153D222BC8}"/>
+                <a16:creationId xmlns:a16="http://schemas.microsoft.com/office/drawing/2014/main" id="{4B95D939-54E7-1FC5-9886-BCF8A201A5D2}"/>
               </a:ext>
             </a:extLst>
           </p:cNvPr>
@@ -2196,7 +2196,7 @@
           <p:cNvPr id="3" name="内容占位符 2">
             <a:extLst>
               <a:ext uri="{FF2B5EF4-FFF2-40B4-BE49-F238E27FC236}">
-                <a16:creationId xmlns:a16="http://schemas.microsoft.com/office/drawing/2014/main" id="{7ACC4352-895B-3658-097E-4FE0EFAB6744}"/>
+                <a16:creationId xmlns:a16="http://schemas.microsoft.com/office/drawing/2014/main" id="{E4CF5FF9-FDD6-A290-F7CF-DE3386DCCF44}"/>
               </a:ext>
             </a:extLst>
           </p:cNvPr>
@@ -2286,7 +2286,7 @@
           <p:cNvPr id="4" name="文本占位符 3">
             <a:extLst>
               <a:ext uri="{FF2B5EF4-FFF2-40B4-BE49-F238E27FC236}">
-                <a16:creationId xmlns:a16="http://schemas.microsoft.com/office/drawing/2014/main" id="{67FE0326-F310-245D-A3F4-4331811416E4}"/>
+                <a16:creationId xmlns:a16="http://schemas.microsoft.com/office/drawing/2014/main" id="{16199B05-14D3-5AE8-FDAF-2E195BF9AA08}"/>
               </a:ext>
             </a:extLst>
           </p:cNvPr>
@@ -2357,7 +2357,7 @@
           <p:cNvPr id="5" name="日期占位符 4">
             <a:extLst>
               <a:ext uri="{FF2B5EF4-FFF2-40B4-BE49-F238E27FC236}">
-                <a16:creationId xmlns:a16="http://schemas.microsoft.com/office/drawing/2014/main" id="{E605A1F0-27C1-045F-6B49-F772FFFF769D}"/>
+                <a16:creationId xmlns:a16="http://schemas.microsoft.com/office/drawing/2014/main" id="{E33914C1-A210-52C9-33D5-1C1065F75F16}"/>
               </a:ext>
             </a:extLst>
           </p:cNvPr>
@@ -2373,7 +2373,7 @@
           <a:bodyPr/>
           <a:lstStyle/>
           <a:p>
-            <a:fld id="{A41B6E04-0007-4419-B20C-49AA841EF1B9}" type="datetimeFigureOut">
+            <a:fld id="{D20B4E7A-45E6-4EA1-8CAF-399DDD2EB0D5}" type="datetimeFigureOut">
               <a:rPr lang="zh-CN" altLang="en-US" smtClean="0"/>
               <a:t>2024/3/10</a:t>
             </a:fld>
@@ -2386,7 +2386,7 @@
           <p:cNvPr id="6" name="页脚占位符 5">
             <a:extLst>
               <a:ext uri="{FF2B5EF4-FFF2-40B4-BE49-F238E27FC236}">
-                <a16:creationId xmlns:a16="http://schemas.microsoft.com/office/drawing/2014/main" id="{0026F900-156C-A80B-B322-FB483156B4B9}"/>
+                <a16:creationId xmlns:a16="http://schemas.microsoft.com/office/drawing/2014/main" id="{ED005F5B-24A8-4BC1-525F-2C3B30D036CB}"/>
               </a:ext>
             </a:extLst>
           </p:cNvPr>
@@ -2411,7 +2411,7 @@
           <p:cNvPr id="7" name="灯片编号占位符 6">
             <a:extLst>
               <a:ext uri="{FF2B5EF4-FFF2-40B4-BE49-F238E27FC236}">
-                <a16:creationId xmlns:a16="http://schemas.microsoft.com/office/drawing/2014/main" id="{651A278C-ED80-2920-4DE4-EDC161C7A7BB}"/>
+                <a16:creationId xmlns:a16="http://schemas.microsoft.com/office/drawing/2014/main" id="{7D1A417F-4F6A-B5AF-EA0E-1C27C25D6719}"/>
               </a:ext>
             </a:extLst>
           </p:cNvPr>
@@ -2427,7 +2427,7 @@
           <a:bodyPr/>
           <a:lstStyle/>
           <a:p>
-            <a:fld id="{F0DF440D-26EF-4F40-9743-90399F47A4B3}" type="slidenum">
+            <a:fld id="{237C77E4-DD13-4703-BBA6-A32105DFFB29}" type="slidenum">
               <a:rPr lang="zh-CN" altLang="en-US" smtClean="0"/>
               <a:t>‹#›</a:t>
             </a:fld>
@@ -2438,7 +2438,7 @@
     </p:spTree>
     <p:extLst>
       <p:ext uri="{BB962C8B-B14F-4D97-AF65-F5344CB8AC3E}">
-        <p14:creationId xmlns:p14="http://schemas.microsoft.com/office/powerpoint/2010/main" val="3756305236"/>
+        <p14:creationId xmlns:p14="http://schemas.microsoft.com/office/powerpoint/2010/main" val="2235942010"/>
       </p:ext>
     </p:extLst>
   </p:cSld>
@@ -2470,7 +2470,7 @@
           <p:cNvPr id="2" name="标题 1">
             <a:extLst>
               <a:ext uri="{FF2B5EF4-FFF2-40B4-BE49-F238E27FC236}">
-                <a16:creationId xmlns:a16="http://schemas.microsoft.com/office/drawing/2014/main" id="{2F27D941-45B9-2D1A-4C8D-3689ABB19CDD}"/>
+                <a16:creationId xmlns:a16="http://schemas.microsoft.com/office/drawing/2014/main" id="{91D37E77-2918-0906-9752-D272E5BA14D9}"/>
               </a:ext>
             </a:extLst>
           </p:cNvPr>
@@ -2507,7 +2507,7 @@
           <p:cNvPr id="3" name="图片占位符 2">
             <a:extLst>
               <a:ext uri="{FF2B5EF4-FFF2-40B4-BE49-F238E27FC236}">
-                <a16:creationId xmlns:a16="http://schemas.microsoft.com/office/drawing/2014/main" id="{B11C7D56-24E2-710D-FDC2-CFAB7AEFC8E0}"/>
+                <a16:creationId xmlns:a16="http://schemas.microsoft.com/office/drawing/2014/main" id="{FE90D68D-635B-9056-5503-690713EE1E48}"/>
               </a:ext>
             </a:extLst>
           </p:cNvPr>
@@ -2574,7 +2574,7 @@
           <p:cNvPr id="4" name="文本占位符 3">
             <a:extLst>
               <a:ext uri="{FF2B5EF4-FFF2-40B4-BE49-F238E27FC236}">
-                <a16:creationId xmlns:a16="http://schemas.microsoft.com/office/drawing/2014/main" id="{04FDB2F7-CB47-39E8-5709-10FCC3271441}"/>
+                <a16:creationId xmlns:a16="http://schemas.microsoft.com/office/drawing/2014/main" id="{86A7883C-4AAC-1A65-999C-7269E92FB1F4}"/>
               </a:ext>
             </a:extLst>
           </p:cNvPr>
@@ -2645,7 +2645,7 @@
           <p:cNvPr id="5" name="日期占位符 4">
             <a:extLst>
               <a:ext uri="{FF2B5EF4-FFF2-40B4-BE49-F238E27FC236}">
-                <a16:creationId xmlns:a16="http://schemas.microsoft.com/office/drawing/2014/main" id="{E8AEA8A4-C840-C510-4966-5D2F21E758EB}"/>
+                <a16:creationId xmlns:a16="http://schemas.microsoft.com/office/drawing/2014/main" id="{E9212823-84A7-AE9E-BABB-E3E8382ADAB1}"/>
               </a:ext>
             </a:extLst>
           </p:cNvPr>
@@ -2661,7 +2661,7 @@
           <a:bodyPr/>
           <a:lstStyle/>
           <a:p>
-            <a:fld id="{A41B6E04-0007-4419-B20C-49AA841EF1B9}" type="datetimeFigureOut">
+            <a:fld id="{D20B4E7A-45E6-4EA1-8CAF-399DDD2EB0D5}" type="datetimeFigureOut">
               <a:rPr lang="zh-CN" altLang="en-US" smtClean="0"/>
               <a:t>2024/3/10</a:t>
             </a:fld>
@@ -2674,7 +2674,7 @@
           <p:cNvPr id="6" name="页脚占位符 5">
             <a:extLst>
               <a:ext uri="{FF2B5EF4-FFF2-40B4-BE49-F238E27FC236}">
-                <a16:creationId xmlns:a16="http://schemas.microsoft.com/office/drawing/2014/main" id="{CFD6B767-7CF0-6AAE-1012-6B4627A39300}"/>
+                <a16:creationId xmlns:a16="http://schemas.microsoft.com/office/drawing/2014/main" id="{5962BEAE-4803-8D50-A4A5-230C94525251}"/>
               </a:ext>
             </a:extLst>
           </p:cNvPr>
@@ -2699,7 +2699,7 @@
           <p:cNvPr id="7" name="灯片编号占位符 6">
             <a:extLst>
               <a:ext uri="{FF2B5EF4-FFF2-40B4-BE49-F238E27FC236}">
-                <a16:creationId xmlns:a16="http://schemas.microsoft.com/office/drawing/2014/main" id="{44C1D9A4-BBB6-47F8-DDAA-CC1B9D1E6443}"/>
+                <a16:creationId xmlns:a16="http://schemas.microsoft.com/office/drawing/2014/main" id="{20748A2D-605A-87D3-733A-49169A6C5E8E}"/>
               </a:ext>
             </a:extLst>
           </p:cNvPr>
@@ -2715,7 +2715,7 @@
           <a:bodyPr/>
           <a:lstStyle/>
           <a:p>
-            <a:fld id="{F0DF440D-26EF-4F40-9743-90399F47A4B3}" type="slidenum">
+            <a:fld id="{237C77E4-DD13-4703-BBA6-A32105DFFB29}" type="slidenum">
               <a:rPr lang="zh-CN" altLang="en-US" smtClean="0"/>
               <a:t>‹#›</a:t>
             </a:fld>
@@ -2726,7 +2726,7 @@
     </p:spTree>
     <p:extLst>
       <p:ext uri="{BB962C8B-B14F-4D97-AF65-F5344CB8AC3E}">
-        <p14:creationId xmlns:p14="http://schemas.microsoft.com/office/powerpoint/2010/main" val="2177538979"/>
+        <p14:creationId xmlns:p14="http://schemas.microsoft.com/office/powerpoint/2010/main" val="480089478"/>
       </p:ext>
     </p:extLst>
   </p:cSld>
@@ -2763,7 +2763,7 @@
           <p:cNvPr id="2" name="标题占位符 1">
             <a:extLst>
               <a:ext uri="{FF2B5EF4-FFF2-40B4-BE49-F238E27FC236}">
-                <a16:creationId xmlns:a16="http://schemas.microsoft.com/office/drawing/2014/main" id="{09819EB9-B4C1-9FD6-3CB5-7CFBE31238E2}"/>
+                <a16:creationId xmlns:a16="http://schemas.microsoft.com/office/drawing/2014/main" id="{A9541681-23B0-1C81-D808-E577EE6EC26D}"/>
               </a:ext>
             </a:extLst>
           </p:cNvPr>
@@ -2801,7 +2801,7 @@
           <p:cNvPr id="3" name="文本占位符 2">
             <a:extLst>
               <a:ext uri="{FF2B5EF4-FFF2-40B4-BE49-F238E27FC236}">
-                <a16:creationId xmlns:a16="http://schemas.microsoft.com/office/drawing/2014/main" id="{7EF95BF5-FA76-6227-985C-5717F91FFEE6}"/>
+                <a16:creationId xmlns:a16="http://schemas.microsoft.com/office/drawing/2014/main" id="{5F180D33-8B9E-1451-7FEE-EF457A82E524}"/>
               </a:ext>
             </a:extLst>
           </p:cNvPr>
@@ -2868,7 +2868,7 @@
           <p:cNvPr id="4" name="日期占位符 3">
             <a:extLst>
               <a:ext uri="{FF2B5EF4-FFF2-40B4-BE49-F238E27FC236}">
-                <a16:creationId xmlns:a16="http://schemas.microsoft.com/office/drawing/2014/main" id="{F329A6CB-1B61-8289-8BE4-3074BC48434C}"/>
+                <a16:creationId xmlns:a16="http://schemas.microsoft.com/office/drawing/2014/main" id="{1D89B759-85BE-D88E-0994-8E5C85EB50FC}"/>
               </a:ext>
             </a:extLst>
           </p:cNvPr>
@@ -2902,7 +2902,7 @@
             </a:lvl1pPr>
           </a:lstStyle>
           <a:p>
-            <a:fld id="{A41B6E04-0007-4419-B20C-49AA841EF1B9}" type="datetimeFigureOut">
+            <a:fld id="{D20B4E7A-45E6-4EA1-8CAF-399DDD2EB0D5}" type="datetimeFigureOut">
               <a:rPr lang="zh-CN" altLang="en-US" smtClean="0"/>
               <a:t>2024/3/10</a:t>
             </a:fld>
@@ -2915,7 +2915,7 @@
           <p:cNvPr id="5" name="页脚占位符 4">
             <a:extLst>
               <a:ext uri="{FF2B5EF4-FFF2-40B4-BE49-F238E27FC236}">
-                <a16:creationId xmlns:a16="http://schemas.microsoft.com/office/drawing/2014/main" id="{398E3069-81BC-1FAA-DBC7-B865AE073125}"/>
+                <a16:creationId xmlns:a16="http://schemas.microsoft.com/office/drawing/2014/main" id="{97F3D37E-171B-FBD9-3BAD-5581D830ED48}"/>
               </a:ext>
             </a:extLst>
           </p:cNvPr>
@@ -2958,7 +2958,7 @@
           <p:cNvPr id="6" name="灯片编号占位符 5">
             <a:extLst>
               <a:ext uri="{FF2B5EF4-FFF2-40B4-BE49-F238E27FC236}">
-                <a16:creationId xmlns:a16="http://schemas.microsoft.com/office/drawing/2014/main" id="{0D9DB19F-8D13-86E8-F705-87E5129726AF}"/>
+                <a16:creationId xmlns:a16="http://schemas.microsoft.com/office/drawing/2014/main" id="{115C0CB6-46E1-B80D-FB68-8C994F5F10EF}"/>
               </a:ext>
             </a:extLst>
           </p:cNvPr>
@@ -2992,7 +2992,7 @@
             </a:lvl1pPr>
           </a:lstStyle>
           <a:p>
-            <a:fld id="{F0DF440D-26EF-4F40-9743-90399F47A4B3}" type="slidenum">
+            <a:fld id="{237C77E4-DD13-4703-BBA6-A32105DFFB29}" type="slidenum">
               <a:rPr lang="zh-CN" altLang="en-US" smtClean="0"/>
               <a:t>‹#›</a:t>
             </a:fld>
@@ -3003,7 +3003,7 @@
     </p:spTree>
     <p:extLst>
       <p:ext uri="{BB962C8B-B14F-4D97-AF65-F5344CB8AC3E}">
-        <p14:creationId xmlns:p14="http://schemas.microsoft.com/office/powerpoint/2010/main" val="2479283208"/>
+        <p14:creationId xmlns:p14="http://schemas.microsoft.com/office/powerpoint/2010/main" val="3650731710"/>
       </p:ext>
     </p:extLst>
   </p:cSld>
